--- a/To-do list program.pptx
+++ b/To-do list program.pptx
@@ -6122,7 +6122,7 @@
         </p:nvSpPr>
         <p:spPr>
           <a:xfrm>
-            <a:off x="6441918" y="3329790"/>
+            <a:off x="6496003" y="2986890"/>
             <a:ext cx="5240009" cy="2193932"/>
           </a:xfrm>
         </p:spPr>
@@ -6130,14 +6130,30 @@
           <a:bodyPr anchor="ctr"/>
           <a:lstStyle/>
           <a:p>
-            <a:r>
-              <a:rPr lang="en-US" dirty="0"/>
+            <a:pPr algn="ctr"/>
+            <a:r>
+              <a:rPr lang="en-US" sz="2800" b="1" u="sng" dirty="0"/>
               <a:t>To-do list program</a:t>
             </a:r>
             <a:br>
-              <a:rPr lang="en-US" dirty="0"/>
+              <a:rPr lang="en-US" sz="2800" dirty="0"/>
             </a:br>
-            <a:endParaRPr lang="en-US" dirty="0"/>
+            <a:r>
+              <a:rPr lang="en-US" sz="2800" dirty="0" err="1">
+                <a:hlinkClick r:id="rId3"/>
+              </a:rPr>
+              <a:t>ksu</a:t>
+            </a:r>
+            <a:r>
+              <a:rPr lang="en-US" sz="2800" dirty="0">
+                <a:hlinkClick r:id="rId3"/>
+              </a:rPr>
+              <a:t>-is/To-Do-Program (github.com)</a:t>
+            </a:r>
+            <a:br>
+              <a:rPr lang="en-US" sz="2800" dirty="0"/>
+            </a:br>
+            <a:endParaRPr lang="en-US" sz="2800" dirty="0"/>
           </a:p>
         </p:txBody>
       </p:sp>
@@ -6294,15 +6310,15 @@
           <p:nvPr/>
         </p:nvPicPr>
         <p:blipFill>
-          <a:blip r:embed="rId3"/>
+          <a:blip r:embed="rId4"/>
           <a:stretch>
             <a:fillRect/>
           </a:stretch>
         </p:blipFill>
         <p:spPr>
           <a:xfrm>
-            <a:off x="270587" y="1381225"/>
-            <a:ext cx="6148874" cy="4436212"/>
+            <a:off x="272137" y="614362"/>
+            <a:ext cx="6136095" cy="5629275"/>
           </a:xfrm>
           <a:prstGeom prst="rect">
             <a:avLst/>
